--- a/整合/報告/要點.pptx
+++ b/整合/報告/要點.pptx
@@ -5,7 +5,7 @@
     <p:sldMasterId id="2147483648" r:id="rId1"/>
   </p:sldMasterIdLst>
   <p:notesMasterIdLst>
-    <p:notesMasterId r:id="rId13"/>
+    <p:notesMasterId r:id="rId16"/>
   </p:notesMasterIdLst>
   <p:sldIdLst>
     <p:sldId id="256" r:id="rId2"/>
@@ -19,6 +19,9 @@
     <p:sldId id="267" r:id="rId10"/>
     <p:sldId id="268" r:id="rId11"/>
     <p:sldId id="269" r:id="rId12"/>
+    <p:sldId id="270" r:id="rId13"/>
+    <p:sldId id="271" r:id="rId14"/>
+    <p:sldId id="272" r:id="rId15"/>
   </p:sldIdLst>
   <p:sldSz cx="12192000" cy="6858000"/>
   <p:notesSz cx="6858000" cy="9144000"/>
@@ -138,7 +141,7 @@
   <pc:docChgLst>
     <pc:chgData name="品佑 陳" userId="b47096fc5e872c87" providerId="LiveId" clId="{11DA8661-F8F6-427A-A840-63124D4C7E90}"/>
     <pc:docChg chg="undo custSel addSld delSld modSld sldOrd">
-      <pc:chgData name="品佑 陳" userId="b47096fc5e872c87" providerId="LiveId" clId="{11DA8661-F8F6-427A-A840-63124D4C7E90}" dt="2023-12-18T12:46:55.597" v="3971" actId="20577"/>
+      <pc:chgData name="品佑 陳" userId="b47096fc5e872c87" providerId="LiveId" clId="{11DA8661-F8F6-427A-A840-63124D4C7E90}" dt="2023-12-19T13:11:14.303" v="4356" actId="113"/>
       <pc:docMkLst>
         <pc:docMk/>
       </pc:docMkLst>
@@ -365,7 +368,7 @@
         </pc:spChg>
       </pc:sldChg>
       <pc:sldChg chg="delSp modSp new mod">
-        <pc:chgData name="品佑 陳" userId="b47096fc5e872c87" providerId="LiveId" clId="{11DA8661-F8F6-427A-A840-63124D4C7E90}" dt="2023-12-18T11:23:12.803" v="3681" actId="20577"/>
+        <pc:chgData name="品佑 陳" userId="b47096fc5e872c87" providerId="LiveId" clId="{11DA8661-F8F6-427A-A840-63124D4C7E90}" dt="2023-12-19T12:54:58.178" v="4340" actId="20577"/>
         <pc:sldMkLst>
           <pc:docMk/>
           <pc:sldMk cId="3429122663" sldId="265"/>
@@ -379,7 +382,7 @@
           </ac:spMkLst>
         </pc:spChg>
         <pc:spChg chg="mod">
-          <ac:chgData name="品佑 陳" userId="b47096fc5e872c87" providerId="LiveId" clId="{11DA8661-F8F6-427A-A840-63124D4C7E90}" dt="2023-12-18T11:23:12.803" v="3681" actId="20577"/>
+          <ac:chgData name="品佑 陳" userId="b47096fc5e872c87" providerId="LiveId" clId="{11DA8661-F8F6-427A-A840-63124D4C7E90}" dt="2023-12-19T12:54:58.178" v="4340" actId="20577"/>
           <ac:spMkLst>
             <pc:docMk/>
             <pc:sldMk cId="3429122663" sldId="265"/>
@@ -403,7 +406,7 @@
         </pc:spChg>
       </pc:sldChg>
       <pc:sldChg chg="delSp modSp new mod">
-        <pc:chgData name="品佑 陳" userId="b47096fc5e872c87" providerId="LiveId" clId="{11DA8661-F8F6-427A-A840-63124D4C7E90}" dt="2023-12-18T11:24:58.944" v="3797" actId="20577"/>
+        <pc:chgData name="品佑 陳" userId="b47096fc5e872c87" providerId="LiveId" clId="{11DA8661-F8F6-427A-A840-63124D4C7E90}" dt="2023-12-19T12:53:19.004" v="4307" actId="20577"/>
         <pc:sldMkLst>
           <pc:docMk/>
           <pc:sldMk cId="229705624" sldId="267"/>
@@ -417,7 +420,7 @@
           </ac:spMkLst>
         </pc:spChg>
         <pc:spChg chg="mod">
-          <ac:chgData name="品佑 陳" userId="b47096fc5e872c87" providerId="LiveId" clId="{11DA8661-F8F6-427A-A840-63124D4C7E90}" dt="2023-12-18T11:24:58.944" v="3797" actId="20577"/>
+          <ac:chgData name="品佑 陳" userId="b47096fc5e872c87" providerId="LiveId" clId="{11DA8661-F8F6-427A-A840-63124D4C7E90}" dt="2023-12-19T12:53:19.004" v="4307" actId="20577"/>
           <ac:spMkLst>
             <pc:docMk/>
             <pc:sldMk cId="229705624" sldId="267"/>
@@ -426,7 +429,7 @@
         </pc:spChg>
       </pc:sldChg>
       <pc:sldChg chg="delSp modSp new mod">
-        <pc:chgData name="品佑 陳" userId="b47096fc5e872c87" providerId="LiveId" clId="{11DA8661-F8F6-427A-A840-63124D4C7E90}" dt="2023-12-18T11:28:06.896" v="3887" actId="20577"/>
+        <pc:chgData name="品佑 陳" userId="b47096fc5e872c87" providerId="LiveId" clId="{11DA8661-F8F6-427A-A840-63124D4C7E90}" dt="2023-12-19T13:11:14.303" v="4356" actId="113"/>
         <pc:sldMkLst>
           <pc:docMk/>
           <pc:sldMk cId="3669691845" sldId="268"/>
@@ -440,7 +443,7 @@
           </ac:spMkLst>
         </pc:spChg>
         <pc:spChg chg="mod">
-          <ac:chgData name="品佑 陳" userId="b47096fc5e872c87" providerId="LiveId" clId="{11DA8661-F8F6-427A-A840-63124D4C7E90}" dt="2023-12-18T11:28:06.896" v="3887" actId="20577"/>
+          <ac:chgData name="品佑 陳" userId="b47096fc5e872c87" providerId="LiveId" clId="{11DA8661-F8F6-427A-A840-63124D4C7E90}" dt="2023-12-19T13:11:14.303" v="4356" actId="113"/>
           <ac:spMkLst>
             <pc:docMk/>
             <pc:sldMk cId="3669691845" sldId="268"/>
@@ -449,7 +452,7 @@
         </pc:spChg>
       </pc:sldChg>
       <pc:sldChg chg="delSp modSp new mod">
-        <pc:chgData name="品佑 陳" userId="b47096fc5e872c87" providerId="LiveId" clId="{11DA8661-F8F6-427A-A840-63124D4C7E90}" dt="2023-12-18T11:29:08.488" v="3921" actId="20577"/>
+        <pc:chgData name="品佑 陳" userId="b47096fc5e872c87" providerId="LiveId" clId="{11DA8661-F8F6-427A-A840-63124D4C7E90}" dt="2023-12-19T12:54:06.876" v="4317" actId="207"/>
         <pc:sldMkLst>
           <pc:docMk/>
           <pc:sldMk cId="3227364595" sldId="269"/>
@@ -463,11 +466,64 @@
           </ac:spMkLst>
         </pc:spChg>
         <pc:spChg chg="mod">
-          <ac:chgData name="品佑 陳" userId="b47096fc5e872c87" providerId="LiveId" clId="{11DA8661-F8F6-427A-A840-63124D4C7E90}" dt="2023-12-18T11:29:08.488" v="3921" actId="20577"/>
+          <ac:chgData name="品佑 陳" userId="b47096fc5e872c87" providerId="LiveId" clId="{11DA8661-F8F6-427A-A840-63124D4C7E90}" dt="2023-12-19T12:54:06.876" v="4317" actId="207"/>
           <ac:spMkLst>
             <pc:docMk/>
             <pc:sldMk cId="3227364595" sldId="269"/>
             <ac:spMk id="3" creationId="{FB637E14-A92A-843D-8E59-F2A93C3CDDE3}"/>
+          </ac:spMkLst>
+        </pc:spChg>
+      </pc:sldChg>
+      <pc:sldChg chg="modSp new mod">
+        <pc:chgData name="品佑 陳" userId="b47096fc5e872c87" providerId="LiveId" clId="{11DA8661-F8F6-427A-A840-63124D4C7E90}" dt="2023-12-19T12:55:06.793" v="4341" actId="207"/>
+        <pc:sldMkLst>
+          <pc:docMk/>
+          <pc:sldMk cId="61869976" sldId="270"/>
+        </pc:sldMkLst>
+        <pc:spChg chg="mod">
+          <ac:chgData name="品佑 陳" userId="b47096fc5e872c87" providerId="LiveId" clId="{11DA8661-F8F6-427A-A840-63124D4C7E90}" dt="2023-12-19T12:55:06.793" v="4341" actId="207"/>
+          <ac:spMkLst>
+            <pc:docMk/>
+            <pc:sldMk cId="61869976" sldId="270"/>
+            <ac:spMk id="3" creationId="{EFF2FA0D-1770-8E1D-E162-9FFB4BDC8490}"/>
+          </ac:spMkLst>
+        </pc:spChg>
+      </pc:sldChg>
+      <pc:sldChg chg="delSp modSp new mod">
+        <pc:chgData name="品佑 陳" userId="b47096fc5e872c87" providerId="LiveId" clId="{11DA8661-F8F6-427A-A840-63124D4C7E90}" dt="2023-12-19T12:55:25.431" v="4348" actId="14100"/>
+        <pc:sldMkLst>
+          <pc:docMk/>
+          <pc:sldMk cId="1828321383" sldId="271"/>
+        </pc:sldMkLst>
+        <pc:spChg chg="del">
+          <ac:chgData name="品佑 陳" userId="b47096fc5e872c87" providerId="LiveId" clId="{11DA8661-F8F6-427A-A840-63124D4C7E90}" dt="2023-12-19T12:55:17.609" v="4344" actId="478"/>
+          <ac:spMkLst>
+            <pc:docMk/>
+            <pc:sldMk cId="1828321383" sldId="271"/>
+            <ac:spMk id="2" creationId="{E777AF4C-9E34-708C-3608-F470D996B31B}"/>
+          </ac:spMkLst>
+        </pc:spChg>
+        <pc:spChg chg="mod">
+          <ac:chgData name="品佑 陳" userId="b47096fc5e872c87" providerId="LiveId" clId="{11DA8661-F8F6-427A-A840-63124D4C7E90}" dt="2023-12-19T12:55:25.431" v="4348" actId="14100"/>
+          <ac:spMkLst>
+            <pc:docMk/>
+            <pc:sldMk cId="1828321383" sldId="271"/>
+            <ac:spMk id="3" creationId="{53EEA450-1C32-5F60-7DDE-98822894CC5D}"/>
+          </ac:spMkLst>
+        </pc:spChg>
+      </pc:sldChg>
+      <pc:sldChg chg="modSp new mod">
+        <pc:chgData name="品佑 陳" userId="b47096fc5e872c87" providerId="LiveId" clId="{11DA8661-F8F6-427A-A840-63124D4C7E90}" dt="2023-12-19T12:55:41.280" v="4354" actId="27636"/>
+        <pc:sldMkLst>
+          <pc:docMk/>
+          <pc:sldMk cId="3728557776" sldId="272"/>
+        </pc:sldMkLst>
+        <pc:spChg chg="mod">
+          <ac:chgData name="品佑 陳" userId="b47096fc5e872c87" providerId="LiveId" clId="{11DA8661-F8F6-427A-A840-63124D4C7E90}" dt="2023-12-19T12:55:41.280" v="4354" actId="27636"/>
+          <ac:spMkLst>
+            <pc:docMk/>
+            <pc:sldMk cId="3728557776" sldId="272"/>
+            <ac:spMk id="3" creationId="{2B122A48-EB0C-6ECF-2197-CE00C9E9D97A}"/>
           </ac:spMkLst>
         </pc:spChg>
       </pc:sldChg>
@@ -558,7 +614,7 @@
           <a:p>
             <a:fld id="{99174375-0784-4820-A5FD-B0D7E39C0B97}" type="datetimeFigureOut">
               <a:rPr lang="zh-TW" altLang="en-US" smtClean="0"/>
-              <a:t>2023/12/18</a:t>
+              <a:t>2023/12/19</a:t>
             </a:fld>
             <a:endParaRPr lang="zh-TW" altLang="en-US"/>
           </a:p>
@@ -1056,7 +1112,7 @@
           <a:p>
             <a:fld id="{82E8177B-8D93-4734-B78A-F64E07975222}" type="datetimeFigureOut">
               <a:rPr lang="zh-TW" altLang="en-US" smtClean="0"/>
-              <a:t>2023/12/18</a:t>
+              <a:t>2023/12/19</a:t>
             </a:fld>
             <a:endParaRPr lang="zh-TW" altLang="en-US"/>
           </a:p>
@@ -1254,7 +1310,7 @@
           <a:p>
             <a:fld id="{82E8177B-8D93-4734-B78A-F64E07975222}" type="datetimeFigureOut">
               <a:rPr lang="zh-TW" altLang="en-US" smtClean="0"/>
-              <a:t>2023/12/18</a:t>
+              <a:t>2023/12/19</a:t>
             </a:fld>
             <a:endParaRPr lang="zh-TW" altLang="en-US"/>
           </a:p>
@@ -1462,7 +1518,7 @@
           <a:p>
             <a:fld id="{82E8177B-8D93-4734-B78A-F64E07975222}" type="datetimeFigureOut">
               <a:rPr lang="zh-TW" altLang="en-US" smtClean="0"/>
-              <a:t>2023/12/18</a:t>
+              <a:t>2023/12/19</a:t>
             </a:fld>
             <a:endParaRPr lang="zh-TW" altLang="en-US"/>
           </a:p>
@@ -1660,7 +1716,7 @@
           <a:p>
             <a:fld id="{82E8177B-8D93-4734-B78A-F64E07975222}" type="datetimeFigureOut">
               <a:rPr lang="zh-TW" altLang="en-US" smtClean="0"/>
-              <a:t>2023/12/18</a:t>
+              <a:t>2023/12/19</a:t>
             </a:fld>
             <a:endParaRPr lang="zh-TW" altLang="en-US"/>
           </a:p>
@@ -1935,7 +1991,7 @@
           <a:p>
             <a:fld id="{82E8177B-8D93-4734-B78A-F64E07975222}" type="datetimeFigureOut">
               <a:rPr lang="zh-TW" altLang="en-US" smtClean="0"/>
-              <a:t>2023/12/18</a:t>
+              <a:t>2023/12/19</a:t>
             </a:fld>
             <a:endParaRPr lang="zh-TW" altLang="en-US"/>
           </a:p>
@@ -2200,7 +2256,7 @@
           <a:p>
             <a:fld id="{82E8177B-8D93-4734-B78A-F64E07975222}" type="datetimeFigureOut">
               <a:rPr lang="zh-TW" altLang="en-US" smtClean="0"/>
-              <a:t>2023/12/18</a:t>
+              <a:t>2023/12/19</a:t>
             </a:fld>
             <a:endParaRPr lang="zh-TW" altLang="en-US"/>
           </a:p>
@@ -2612,7 +2668,7 @@
           <a:p>
             <a:fld id="{82E8177B-8D93-4734-B78A-F64E07975222}" type="datetimeFigureOut">
               <a:rPr lang="zh-TW" altLang="en-US" smtClean="0"/>
-              <a:t>2023/12/18</a:t>
+              <a:t>2023/12/19</a:t>
             </a:fld>
             <a:endParaRPr lang="zh-TW" altLang="en-US"/>
           </a:p>
@@ -2753,7 +2809,7 @@
           <a:p>
             <a:fld id="{82E8177B-8D93-4734-B78A-F64E07975222}" type="datetimeFigureOut">
               <a:rPr lang="zh-TW" altLang="en-US" smtClean="0"/>
-              <a:t>2023/12/18</a:t>
+              <a:t>2023/12/19</a:t>
             </a:fld>
             <a:endParaRPr lang="zh-TW" altLang="en-US"/>
           </a:p>
@@ -2866,7 +2922,7 @@
           <a:p>
             <a:fld id="{82E8177B-8D93-4734-B78A-F64E07975222}" type="datetimeFigureOut">
               <a:rPr lang="zh-TW" altLang="en-US" smtClean="0"/>
-              <a:t>2023/12/18</a:t>
+              <a:t>2023/12/19</a:t>
             </a:fld>
             <a:endParaRPr lang="zh-TW" altLang="en-US"/>
           </a:p>
@@ -3177,7 +3233,7 @@
           <a:p>
             <a:fld id="{82E8177B-8D93-4734-B78A-F64E07975222}" type="datetimeFigureOut">
               <a:rPr lang="zh-TW" altLang="en-US" smtClean="0"/>
-              <a:t>2023/12/18</a:t>
+              <a:t>2023/12/19</a:t>
             </a:fld>
             <a:endParaRPr lang="zh-TW" altLang="en-US"/>
           </a:p>
@@ -3465,7 +3521,7 @@
           <a:p>
             <a:fld id="{82E8177B-8D93-4734-B78A-F64E07975222}" type="datetimeFigureOut">
               <a:rPr lang="zh-TW" altLang="en-US" smtClean="0"/>
-              <a:t>2023/12/18</a:t>
+              <a:t>2023/12/19</a:t>
             </a:fld>
             <a:endParaRPr lang="zh-TW" altLang="en-US"/>
           </a:p>
@@ -3706,7 +3762,7 @@
           <a:p>
             <a:fld id="{82E8177B-8D93-4734-B78A-F64E07975222}" type="datetimeFigureOut">
               <a:rPr lang="zh-TW" altLang="en-US" smtClean="0"/>
-              <a:t>2023/12/18</a:t>
+              <a:t>2023/12/19</a:t>
             </a:fld>
             <a:endParaRPr lang="zh-TW" altLang="en-US"/>
           </a:p>
@@ -4300,7 +4356,15 @@
             </a:r>
             <a:r>
               <a:rPr lang="zh-TW" altLang="en-US" dirty="0"/>
-              <a:t>機器人聊天或對話，獲取相關的保健知識或建議</a:t>
+              <a:t>機器人聊天或對話，</a:t>
+            </a:r>
+            <a:r>
+              <a:rPr lang="zh-TW" altLang="en-US" b="1" dirty="0">
+                <a:solidFill>
+                  <a:srgbClr val="FF0000"/>
+                </a:solidFill>
+              </a:rPr>
+              <a:t>獲取相關的保健知識或建議</a:t>
             </a:r>
             <a:r>
               <a:rPr lang="en-US" altLang="zh-TW" dirty="0"/>
@@ -4323,7 +4387,19 @@
             </a:r>
             <a:r>
               <a:rPr lang="zh-TW" altLang="en-US" dirty="0"/>
-              <a:t>也提供居家運動的菜單，協助使用者在一定程度上緩解關節疼痛，或者活動筋骨</a:t>
+              <a:t>也提供居家運動的菜單，協助使用者在</a:t>
+            </a:r>
+            <a:r>
+              <a:rPr lang="zh-TW" altLang="en-US" b="1" dirty="0">
+                <a:solidFill>
+                  <a:srgbClr val="FF0000"/>
+                </a:solidFill>
+              </a:rPr>
+              <a:t>一定程度上</a:t>
+            </a:r>
+            <a:r>
+              <a:rPr lang="zh-TW" altLang="en-US" dirty="0"/>
+              <a:t>緩解關節疼痛，或者活動筋骨</a:t>
             </a:r>
             <a:r>
               <a:rPr lang="en-US" altLang="zh-TW" dirty="0"/>
@@ -4396,71 +4472,50 @@
           <a:p>
             <a:r>
               <a:rPr lang="zh-TW" altLang="en-US" dirty="0"/>
-              <a:t>那麼這個</a:t>
-            </a:r>
-            <a:r>
-              <a:rPr lang="en-US" altLang="zh-TW" dirty="0"/>
-              <a:t>APP</a:t>
-            </a:r>
-            <a:r>
-              <a:rPr lang="zh-TW" altLang="en-US" dirty="0"/>
-              <a:t>的主要目的</a:t>
-            </a:r>
-            <a:endParaRPr lang="en-US" altLang="zh-TW" dirty="0"/>
-          </a:p>
-          <a:p>
-            <a:pPr lvl="1"/>
-            <a:r>
-              <a:rPr lang="zh-TW" altLang="en-US" dirty="0"/>
-              <a:t>是協助使用者及時的發現關節、體態的問題</a:t>
+              <a:t>在產品設計出來後，我們開始鎖定產品的目標客群</a:t>
             </a:r>
             <a:r>
               <a:rPr lang="en-US" altLang="zh-TW" dirty="0"/>
               <a:t>\</a:t>
             </a:r>
-            <a:r>
-              <a:rPr lang="zh-TW" altLang="en-US" dirty="0"/>
-              <a:t>做的預防的效果，不至於等到問題惡化才開始亡羊補牢</a:t>
-            </a:r>
-            <a:r>
-              <a:rPr lang="en-US" altLang="zh-TW" dirty="0"/>
-              <a:t>\</a:t>
-            </a:r>
-          </a:p>
-          <a:p>
-            <a:endParaRPr lang="en-US" altLang="zh-TW" dirty="0"/>
           </a:p>
           <a:p>
             <a:pPr lvl="1"/>
             <a:r>
-              <a:rPr lang="zh-TW" altLang="en-US" dirty="0"/>
-              <a:t>並且隨時提供相關的保健知識或建議</a:t>
-            </a:r>
-            <a:r>
-              <a:rPr lang="en-US" altLang="zh-TW" dirty="0"/>
-              <a:t>\</a:t>
-            </a:r>
-            <a:r>
-              <a:rPr lang="zh-TW" altLang="en-US" dirty="0"/>
-              <a:t>協助使用者在面對關節問題時，不至於不知所措</a:t>
-            </a:r>
-          </a:p>
-          <a:p>
-            <a:endParaRPr lang="zh-TW" altLang="en-US" dirty="0"/>
+              <a:rPr lang="zh-TW" altLang="en-US" dirty="0">
+                <a:solidFill>
+                  <a:srgbClr val="FF0000"/>
+                </a:solidFill>
+              </a:rPr>
+              <a:t>在論文的推估中</a:t>
+            </a:r>
           </a:p>
           <a:p>
             <a:pPr lvl="1"/>
             <a:r>
               <a:rPr lang="zh-TW" altLang="en-US" dirty="0"/>
-              <a:t>在使用者發現問題、並掌握相關知識後</a:t>
-            </a:r>
-            <a:r>
-              <a:rPr lang="en-US" altLang="zh-TW" dirty="0"/>
-              <a:t>\</a:t>
-            </a:r>
-            <a:r>
-              <a:rPr lang="zh-TW" altLang="en-US" dirty="0"/>
-              <a:t>再搭配適合的運動，藉由活動筋骨來放鬆，或是舒緩關節上不適</a:t>
+              <a:t>成年與老年的對於復健門診需求的上升較為明顯</a:t>
+            </a:r>
+          </a:p>
+          <a:p>
+            <a:pPr lvl="1"/>
+            <a:r>
+              <a:rPr lang="zh-TW" altLang="en-US" dirty="0"/>
+              <a:t>反觀兒童的上升趨勢較為平緩</a:t>
+            </a:r>
+          </a:p>
+          <a:p>
+            <a:pPr lvl="1"/>
+            <a:r>
+              <a:rPr lang="zh-TW" altLang="en-US" dirty="0"/>
+              <a:t>再加上物理治療師同樣建議將產品的合適使用年齡為成年以上的族群</a:t>
+            </a:r>
+          </a:p>
+          <a:p>
+            <a:pPr lvl="1"/>
+            <a:r>
+              <a:rPr lang="zh-TW" altLang="en-US" dirty="0"/>
+              <a:t>因此我們將目標客群定位在成年與老年</a:t>
             </a:r>
           </a:p>
         </p:txBody>
@@ -4469,6 +4524,385 @@
     <p:extLst>
       <p:ext uri="{BB962C8B-B14F-4D97-AF65-F5344CB8AC3E}">
         <p14:creationId xmlns:p14="http://schemas.microsoft.com/office/powerpoint/2010/main" val="3227364595"/>
+      </p:ext>
+    </p:extLst>
+  </p:cSld>
+  <p:clrMapOvr>
+    <a:masterClrMapping/>
+  </p:clrMapOvr>
+</p:sld>
+</file>
+
+<file path=ppt/slides/slide12.xml><?xml version="1.0" encoding="utf-8"?>
+<p:sld xmlns:a="http://schemas.openxmlformats.org/drawingml/2006/main" xmlns:r="http://schemas.openxmlformats.org/officeDocument/2006/relationships" xmlns:p="http://schemas.openxmlformats.org/presentationml/2006/main">
+  <p:cSld>
+    <p:spTree>
+      <p:nvGrpSpPr>
+        <p:cNvPr id="1" name=""/>
+        <p:cNvGrpSpPr/>
+        <p:nvPr/>
+      </p:nvGrpSpPr>
+      <p:grpSpPr>
+        <a:xfrm>
+          <a:off x="0" y="0"/>
+          <a:ext cx="0" cy="0"/>
+          <a:chOff x="0" y="0"/>
+          <a:chExt cx="0" cy="0"/>
+        </a:xfrm>
+      </p:grpSpPr>
+      <p:sp>
+        <p:nvSpPr>
+          <p:cNvPr id="2" name="標題 1">
+            <a:extLst>
+              <a:ext uri="{FF2B5EF4-FFF2-40B4-BE49-F238E27FC236}">
+                <a16:creationId xmlns:a16="http://schemas.microsoft.com/office/drawing/2014/main" id="{0BED016A-F60F-B959-69D8-9C448A3624B3}"/>
+              </a:ext>
+            </a:extLst>
+          </p:cNvPr>
+          <p:cNvSpPr>
+            <a:spLocks noGrp="1"/>
+          </p:cNvSpPr>
+          <p:nvPr>
+            <p:ph type="title"/>
+          </p:nvPr>
+        </p:nvSpPr>
+        <p:spPr/>
+        <p:txBody>
+          <a:bodyPr/>
+          <a:lstStyle/>
+          <a:p>
+            <a:endParaRPr lang="zh-TW" altLang="en-US"/>
+          </a:p>
+        </p:txBody>
+      </p:sp>
+      <p:sp>
+        <p:nvSpPr>
+          <p:cNvPr id="3" name="內容版面配置區 2">
+            <a:extLst>
+              <a:ext uri="{FF2B5EF4-FFF2-40B4-BE49-F238E27FC236}">
+                <a16:creationId xmlns:a16="http://schemas.microsoft.com/office/drawing/2014/main" id="{EFF2FA0D-1770-8E1D-E162-9FFB4BDC8490}"/>
+              </a:ext>
+            </a:extLst>
+          </p:cNvPr>
+          <p:cNvSpPr>
+            <a:spLocks noGrp="1"/>
+          </p:cNvSpPr>
+          <p:nvPr>
+            <p:ph idx="1"/>
+          </p:nvPr>
+        </p:nvSpPr>
+        <p:spPr/>
+        <p:txBody>
+          <a:bodyPr/>
+          <a:lstStyle/>
+          <a:p>
+            <a:endParaRPr lang="zh-TW" altLang="en-US" dirty="0"/>
+          </a:p>
+          <a:p>
+            <a:r>
+              <a:rPr lang="zh-TW" altLang="en-US" dirty="0"/>
+              <a:t>但不是所有的成年人與老年人都有關節問題</a:t>
+            </a:r>
+          </a:p>
+          <a:p>
+            <a:pPr lvl="1"/>
+            <a:r>
+              <a:rPr lang="zh-TW" altLang="en-US" dirty="0"/>
+              <a:t>就算有也不一定會注重這些問題</a:t>
+            </a:r>
+          </a:p>
+          <a:p>
+            <a:pPr lvl="1"/>
+            <a:r>
+              <a:rPr lang="zh-TW" altLang="en-US" dirty="0"/>
+              <a:t>所以我們又再加了另外的條件</a:t>
+            </a:r>
+          </a:p>
+          <a:p>
+            <a:pPr lvl="1"/>
+            <a:r>
+              <a:rPr lang="zh-TW" altLang="en-US" dirty="0"/>
+              <a:t>也就是受關節問題困擾族群或</a:t>
+            </a:r>
+          </a:p>
+          <a:p>
+            <a:pPr lvl="1"/>
+            <a:r>
+              <a:rPr lang="zh-TW" altLang="en-US" dirty="0">
+                <a:solidFill>
+                  <a:srgbClr val="FF0000"/>
+                </a:solidFill>
+              </a:rPr>
+              <a:t>關注體態健康的族群</a:t>
+            </a:r>
+          </a:p>
+        </p:txBody>
+      </p:sp>
+    </p:spTree>
+    <p:extLst>
+      <p:ext uri="{BB962C8B-B14F-4D97-AF65-F5344CB8AC3E}">
+        <p14:creationId xmlns:p14="http://schemas.microsoft.com/office/powerpoint/2010/main" val="61869976"/>
+      </p:ext>
+    </p:extLst>
+  </p:cSld>
+  <p:clrMapOvr>
+    <a:masterClrMapping/>
+  </p:clrMapOvr>
+</p:sld>
+</file>
+
+<file path=ppt/slides/slide13.xml><?xml version="1.0" encoding="utf-8"?>
+<p:sld xmlns:a="http://schemas.openxmlformats.org/drawingml/2006/main" xmlns:r="http://schemas.openxmlformats.org/officeDocument/2006/relationships" xmlns:p="http://schemas.openxmlformats.org/presentationml/2006/main">
+  <p:cSld>
+    <p:spTree>
+      <p:nvGrpSpPr>
+        <p:cNvPr id="1" name=""/>
+        <p:cNvGrpSpPr/>
+        <p:nvPr/>
+      </p:nvGrpSpPr>
+      <p:grpSpPr>
+        <a:xfrm>
+          <a:off x="0" y="0"/>
+          <a:ext cx="0" cy="0"/>
+          <a:chOff x="0" y="0"/>
+          <a:chExt cx="0" cy="0"/>
+        </a:xfrm>
+      </p:grpSpPr>
+      <p:sp>
+        <p:nvSpPr>
+          <p:cNvPr id="3" name="內容版面配置區 2">
+            <a:extLst>
+              <a:ext uri="{FF2B5EF4-FFF2-40B4-BE49-F238E27FC236}">
+                <a16:creationId xmlns:a16="http://schemas.microsoft.com/office/drawing/2014/main" id="{53EEA450-1C32-5F60-7DDE-98822894CC5D}"/>
+              </a:ext>
+            </a:extLst>
+          </p:cNvPr>
+          <p:cNvSpPr>
+            <a:spLocks noGrp="1"/>
+          </p:cNvSpPr>
+          <p:nvPr>
+            <p:ph idx="1"/>
+          </p:nvPr>
+        </p:nvSpPr>
+        <p:spPr>
+          <a:xfrm>
+            <a:off x="838200" y="845574"/>
+            <a:ext cx="10515600" cy="5331389"/>
+          </a:xfrm>
+        </p:spPr>
+        <p:txBody>
+          <a:bodyPr/>
+          <a:lstStyle/>
+          <a:p>
+            <a:r>
+              <a:rPr lang="zh-TW" altLang="en-US" dirty="0"/>
+              <a:t>在成本評估方面，成本結構主要由人事成本、行銷成本與技術和系統維護成本</a:t>
+            </a:r>
+          </a:p>
+          <a:p>
+            <a:pPr lvl="1"/>
+            <a:r>
+              <a:rPr lang="zh-TW" altLang="en-US" dirty="0"/>
+              <a:t>其中技術和系統維護成本佔最大比例，</a:t>
+            </a:r>
+          </a:p>
+          <a:p>
+            <a:pPr lvl="1"/>
+            <a:r>
+              <a:rPr lang="zh-TW" altLang="en-US" dirty="0"/>
+              <a:t>因為產品的聊天機器人是用</a:t>
+            </a:r>
+            <a:r>
+              <a:rPr lang="en-US" altLang="zh-TW" dirty="0"/>
+              <a:t>Open ai</a:t>
+            </a:r>
+            <a:r>
+              <a:rPr lang="zh-TW" altLang="en-US" dirty="0"/>
+              <a:t>的</a:t>
+            </a:r>
+            <a:r>
+              <a:rPr lang="en-US" altLang="zh-TW" dirty="0"/>
+              <a:t>API</a:t>
+            </a:r>
+            <a:r>
+              <a:rPr lang="zh-TW" altLang="en-US" dirty="0"/>
+              <a:t>與使用者進行對談</a:t>
+            </a:r>
+          </a:p>
+          <a:p>
+            <a:pPr lvl="1"/>
+            <a:r>
+              <a:rPr lang="zh-TW" altLang="en-US" dirty="0"/>
+              <a:t>每次對談都有通訊的成本</a:t>
+            </a:r>
+          </a:p>
+        </p:txBody>
+      </p:sp>
+    </p:spTree>
+    <p:extLst>
+      <p:ext uri="{BB962C8B-B14F-4D97-AF65-F5344CB8AC3E}">
+        <p14:creationId xmlns:p14="http://schemas.microsoft.com/office/powerpoint/2010/main" val="1828321383"/>
+      </p:ext>
+    </p:extLst>
+  </p:cSld>
+  <p:clrMapOvr>
+    <a:masterClrMapping/>
+  </p:clrMapOvr>
+</p:sld>
+</file>
+
+<file path=ppt/slides/slide14.xml><?xml version="1.0" encoding="utf-8"?>
+<p:sld xmlns:a="http://schemas.openxmlformats.org/drawingml/2006/main" xmlns:r="http://schemas.openxmlformats.org/officeDocument/2006/relationships" xmlns:p="http://schemas.openxmlformats.org/presentationml/2006/main">
+  <p:cSld>
+    <p:spTree>
+      <p:nvGrpSpPr>
+        <p:cNvPr id="1" name=""/>
+        <p:cNvGrpSpPr/>
+        <p:nvPr/>
+      </p:nvGrpSpPr>
+      <p:grpSpPr>
+        <a:xfrm>
+          <a:off x="0" y="0"/>
+          <a:ext cx="0" cy="0"/>
+          <a:chOff x="0" y="0"/>
+          <a:chExt cx="0" cy="0"/>
+        </a:xfrm>
+      </p:grpSpPr>
+      <p:sp>
+        <p:nvSpPr>
+          <p:cNvPr id="2" name="標題 1">
+            <a:extLst>
+              <a:ext uri="{FF2B5EF4-FFF2-40B4-BE49-F238E27FC236}">
+                <a16:creationId xmlns:a16="http://schemas.microsoft.com/office/drawing/2014/main" id="{666B558D-B137-6EBD-7D37-A04EF5F6CC1B}"/>
+              </a:ext>
+            </a:extLst>
+          </p:cNvPr>
+          <p:cNvSpPr>
+            <a:spLocks noGrp="1"/>
+          </p:cNvSpPr>
+          <p:nvPr>
+            <p:ph type="title"/>
+          </p:nvPr>
+        </p:nvSpPr>
+        <p:spPr/>
+        <p:txBody>
+          <a:bodyPr/>
+          <a:lstStyle/>
+          <a:p>
+            <a:endParaRPr lang="zh-TW" altLang="en-US"/>
+          </a:p>
+        </p:txBody>
+      </p:sp>
+      <p:sp>
+        <p:nvSpPr>
+          <p:cNvPr id="3" name="內容版面配置區 2">
+            <a:extLst>
+              <a:ext uri="{FF2B5EF4-FFF2-40B4-BE49-F238E27FC236}">
+                <a16:creationId xmlns:a16="http://schemas.microsoft.com/office/drawing/2014/main" id="{2B122A48-EB0C-6ECF-2197-CE00C9E9D97A}"/>
+              </a:ext>
+            </a:extLst>
+          </p:cNvPr>
+          <p:cNvSpPr>
+            <a:spLocks noGrp="1"/>
+          </p:cNvSpPr>
+          <p:nvPr>
+            <p:ph idx="1"/>
+          </p:nvPr>
+        </p:nvSpPr>
+        <p:spPr/>
+        <p:txBody>
+          <a:bodyPr>
+            <a:normAutofit lnSpcReduction="10000"/>
+          </a:bodyPr>
+          <a:lstStyle/>
+          <a:p>
+            <a:r>
+              <a:rPr lang="zh-TW" altLang="en-US" dirty="0"/>
+              <a:t>因此我們將採用訂閱制的方式來限制免費用戶與聊天機器人的對話次數</a:t>
+            </a:r>
+            <a:endParaRPr lang="en-US" altLang="zh-TW" dirty="0"/>
+          </a:p>
+          <a:p>
+            <a:pPr lvl="1"/>
+            <a:r>
+              <a:rPr lang="zh-TW" altLang="en-US" dirty="0"/>
+              <a:t>那訂閱費用就是本產品的主要收益</a:t>
+            </a:r>
+          </a:p>
+          <a:p>
+            <a:pPr lvl="1"/>
+            <a:r>
+              <a:rPr lang="zh-TW" altLang="en-US" dirty="0"/>
+              <a:t>免費的用戶只能對聊天機器人提問</a:t>
+            </a:r>
+            <a:r>
+              <a:rPr lang="en-US" altLang="zh-TW" dirty="0"/>
+              <a:t>10</a:t>
+            </a:r>
+            <a:r>
+              <a:rPr lang="zh-TW" altLang="en-US" dirty="0"/>
+              <a:t>次，並只能使用產品的部分功能</a:t>
+            </a:r>
+          </a:p>
+          <a:p>
+            <a:pPr lvl="1"/>
+            <a:endParaRPr lang="zh-TW" altLang="en-US" dirty="0"/>
+          </a:p>
+          <a:p>
+            <a:pPr lvl="1"/>
+            <a:r>
+              <a:rPr lang="zh-TW" altLang="en-US" dirty="0"/>
+              <a:t>而訂閱的用戶就可以無限次數的對聊天機器人提問，並享受完整的產品功能</a:t>
+            </a:r>
+          </a:p>
+          <a:p>
+            <a:pPr lvl="1"/>
+            <a:endParaRPr lang="zh-TW" altLang="en-US" dirty="0"/>
+          </a:p>
+          <a:p>
+            <a:pPr lvl="1"/>
+            <a:r>
+              <a:rPr lang="zh-TW" altLang="en-US" dirty="0"/>
+              <a:t>訂價方面，我們將每月收取訂閱費</a:t>
+            </a:r>
+            <a:r>
+              <a:rPr lang="en-US" altLang="zh-TW" dirty="0"/>
+              <a:t>60</a:t>
+            </a:r>
+            <a:r>
+              <a:rPr lang="zh-TW" altLang="en-US" dirty="0"/>
+              <a:t>元，預估收益約</a:t>
+            </a:r>
+            <a:r>
+              <a:rPr lang="en-US" altLang="zh-TW" dirty="0"/>
+              <a:t>7300</a:t>
+            </a:r>
+            <a:r>
+              <a:rPr lang="zh-TW" altLang="en-US" dirty="0"/>
+              <a:t>萬，毛利率約</a:t>
+            </a:r>
+            <a:r>
+              <a:rPr lang="en-US" altLang="zh-TW" dirty="0"/>
+              <a:t>40%</a:t>
+            </a:r>
+          </a:p>
+          <a:p>
+            <a:pPr lvl="1"/>
+            <a:endParaRPr lang="en-US" altLang="zh-TW" dirty="0"/>
+          </a:p>
+          <a:p>
+            <a:pPr lvl="1"/>
+            <a:r>
+              <a:rPr lang="zh-TW" altLang="en-US" dirty="0"/>
+              <a:t>以上為我們的報告，謝謝</a:t>
+            </a:r>
+          </a:p>
+        </p:txBody>
+      </p:sp>
+    </p:spTree>
+    <p:extLst>
+      <p:ext uri="{BB962C8B-B14F-4D97-AF65-F5344CB8AC3E}">
+        <p14:creationId xmlns:p14="http://schemas.microsoft.com/office/powerpoint/2010/main" val="3728557776"/>
       </p:ext>
     </p:extLst>
   </p:cSld>
@@ -6077,7 +6511,7 @@
             <a:pPr lvl="1"/>
             <a:r>
               <a:rPr lang="zh-TW" altLang="en-US" sz="2000" b="1" dirty="0"/>
-              <a:t>不僅有</a:t>
+              <a:t>這樣，不僅能有</a:t>
             </a:r>
             <a:r>
               <a:rPr lang="zh-TW" altLang="en-US" sz="2000" b="1" dirty="0">
@@ -6085,7 +6519,7 @@
                   <a:srgbClr val="FF0000"/>
                 </a:solidFill>
               </a:rPr>
-              <a:t>及時預防</a:t>
+              <a:t>預防</a:t>
             </a:r>
             <a:r>
               <a:rPr lang="zh-TW" altLang="en-US" sz="2000" b="1" dirty="0"/>
@@ -6180,13 +6614,6 @@
           <a:p>
             <a:pPr lvl="1"/>
             <a:endParaRPr lang="en-US" altLang="zh-TW" dirty="0"/>
-          </a:p>
-          <a:p>
-            <a:pPr lvl="1"/>
-            <a:r>
-              <a:rPr lang="zh-TW" altLang="en-US" dirty="0"/>
-              <a:t>簡單來說，預防與及時是重點</a:t>
-            </a:r>
           </a:p>
         </p:txBody>
       </p:sp>
